--- a/assets/Peer review presentation.pptx
+++ b/assets/Peer review presentation.pptx
@@ -7,11 +7,12 @@
   <p:sldIdLst>
     <p:sldId id="256" r:id="rId2"/>
     <p:sldId id="257" r:id="rId3"/>
-    <p:sldId id="259" r:id="rId4"/>
-    <p:sldId id="261" r:id="rId5"/>
-    <p:sldId id="260" r:id="rId6"/>
-    <p:sldId id="263" r:id="rId7"/>
-    <p:sldId id="262" r:id="rId8"/>
+    <p:sldId id="264" r:id="rId4"/>
+    <p:sldId id="259" r:id="rId5"/>
+    <p:sldId id="261" r:id="rId6"/>
+    <p:sldId id="260" r:id="rId7"/>
+    <p:sldId id="263" r:id="rId8"/>
+    <p:sldId id="262" r:id="rId9"/>
   </p:sldIdLst>
   <p:sldSz cx="12192000" cy="6858000"/>
   <p:notesSz cx="6858000" cy="9144000"/>
@@ -110,6 +111,11 @@
       </a:defRPr>
     </a:lvl9pPr>
   </p:defaultTextStyle>
+  <p:extLst>
+    <p:ext uri="{EFAFB233-063F-42B5-8137-9DF3F51BA10A}">
+      <p15:sldGuideLst xmlns:p15="http://schemas.microsoft.com/office/powerpoint/2012/main"/>
+    </p:ext>
+  </p:extLst>
 </p:presentation>
 </file>
 
@@ -262,7 +268,7 @@
           <a:p>
             <a:fld id="{DCBE8814-3453-4EE8-8145-ABE996C3CFB9}" type="datetimeFigureOut">
               <a:rPr lang="he-IL" smtClean="0"/>
-              <a:t>ב'/אייר/תשפ"ב</a:t>
+              <a:t>ז'/אייר/תשפ"ב</a:t>
             </a:fld>
             <a:endParaRPr lang="he-IL"/>
           </a:p>
@@ -462,7 +468,7 @@
           <a:p>
             <a:fld id="{DCBE8814-3453-4EE8-8145-ABE996C3CFB9}" type="datetimeFigureOut">
               <a:rPr lang="he-IL" smtClean="0"/>
-              <a:t>ב'/אייר/תשפ"ב</a:t>
+              <a:t>ז'/אייר/תשפ"ב</a:t>
             </a:fld>
             <a:endParaRPr lang="he-IL"/>
           </a:p>
@@ -672,7 +678,7 @@
           <a:p>
             <a:fld id="{DCBE8814-3453-4EE8-8145-ABE996C3CFB9}" type="datetimeFigureOut">
               <a:rPr lang="he-IL" smtClean="0"/>
-              <a:t>ב'/אייר/תשפ"ב</a:t>
+              <a:t>ז'/אייר/תשפ"ב</a:t>
             </a:fld>
             <a:endParaRPr lang="he-IL"/>
           </a:p>
@@ -872,7 +878,7 @@
           <a:p>
             <a:fld id="{DCBE8814-3453-4EE8-8145-ABE996C3CFB9}" type="datetimeFigureOut">
               <a:rPr lang="he-IL" smtClean="0"/>
-              <a:t>ב'/אייר/תשפ"ב</a:t>
+              <a:t>ז'/אייר/תשפ"ב</a:t>
             </a:fld>
             <a:endParaRPr lang="he-IL"/>
           </a:p>
@@ -1148,7 +1154,7 @@
           <a:p>
             <a:fld id="{DCBE8814-3453-4EE8-8145-ABE996C3CFB9}" type="datetimeFigureOut">
               <a:rPr lang="he-IL" smtClean="0"/>
-              <a:t>ב'/אייר/תשפ"ב</a:t>
+              <a:t>ז'/אייר/תשפ"ב</a:t>
             </a:fld>
             <a:endParaRPr lang="he-IL"/>
           </a:p>
@@ -1416,7 +1422,7 @@
           <a:p>
             <a:fld id="{DCBE8814-3453-4EE8-8145-ABE996C3CFB9}" type="datetimeFigureOut">
               <a:rPr lang="he-IL" smtClean="0"/>
-              <a:t>ב'/אייר/תשפ"ב</a:t>
+              <a:t>ז'/אייר/תשפ"ב</a:t>
             </a:fld>
             <a:endParaRPr lang="he-IL"/>
           </a:p>
@@ -1831,7 +1837,7 @@
           <a:p>
             <a:fld id="{DCBE8814-3453-4EE8-8145-ABE996C3CFB9}" type="datetimeFigureOut">
               <a:rPr lang="he-IL" smtClean="0"/>
-              <a:t>ב'/אייר/תשפ"ב</a:t>
+              <a:t>ז'/אייר/תשפ"ב</a:t>
             </a:fld>
             <a:endParaRPr lang="he-IL"/>
           </a:p>
@@ -1973,7 +1979,7 @@
           <a:p>
             <a:fld id="{DCBE8814-3453-4EE8-8145-ABE996C3CFB9}" type="datetimeFigureOut">
               <a:rPr lang="he-IL" smtClean="0"/>
-              <a:t>ב'/אייר/תשפ"ב</a:t>
+              <a:t>ז'/אייר/תשפ"ב</a:t>
             </a:fld>
             <a:endParaRPr lang="he-IL"/>
           </a:p>
@@ -2086,7 +2092,7 @@
           <a:p>
             <a:fld id="{DCBE8814-3453-4EE8-8145-ABE996C3CFB9}" type="datetimeFigureOut">
               <a:rPr lang="he-IL" smtClean="0"/>
-              <a:t>ב'/אייר/תשפ"ב</a:t>
+              <a:t>ז'/אייר/תשפ"ב</a:t>
             </a:fld>
             <a:endParaRPr lang="he-IL"/>
           </a:p>
@@ -2399,7 +2405,7 @@
           <a:p>
             <a:fld id="{DCBE8814-3453-4EE8-8145-ABE996C3CFB9}" type="datetimeFigureOut">
               <a:rPr lang="he-IL" smtClean="0"/>
-              <a:t>ב'/אייר/תשפ"ב</a:t>
+              <a:t>ז'/אייר/תשפ"ב</a:t>
             </a:fld>
             <a:endParaRPr lang="he-IL"/>
           </a:p>
@@ -2688,7 +2694,7 @@
           <a:p>
             <a:fld id="{DCBE8814-3453-4EE8-8145-ABE996C3CFB9}" type="datetimeFigureOut">
               <a:rPr lang="he-IL" smtClean="0"/>
-              <a:t>ב'/אייר/תשפ"ב</a:t>
+              <a:t>ז'/אייר/תשפ"ב</a:t>
             </a:fld>
             <a:endParaRPr lang="he-IL"/>
           </a:p>
@@ -2931,7 +2937,7 @@
           <a:p>
             <a:fld id="{DCBE8814-3453-4EE8-8145-ABE996C3CFB9}" type="datetimeFigureOut">
               <a:rPr lang="he-IL" smtClean="0"/>
-              <a:t>ב'/אייר/תשפ"ב</a:t>
+              <a:t>ז'/אייר/תשפ"ב</a:t>
             </a:fld>
             <a:endParaRPr lang="he-IL"/>
           </a:p>
@@ -3348,6 +3354,42 @@
           <a:chExt cx="0" cy="0"/>
         </a:xfrm>
       </p:grpSpPr>
+      <p:pic>
+        <p:nvPicPr>
+          <p:cNvPr id="4" name="Picture 3" descr="A picture containing floor, wooden&#10;&#10;Description automatically generated">
+            <a:extLst>
+              <a:ext uri="{FF2B5EF4-FFF2-40B4-BE49-F238E27FC236}">
+                <a16:creationId xmlns:a16="http://schemas.microsoft.com/office/drawing/2014/main" id="{6CB025E4-ED52-EA30-9D31-2F665327DDDE}"/>
+              </a:ext>
+            </a:extLst>
+          </p:cNvPr>
+          <p:cNvPicPr>
+            <a:picLocks noChangeAspect="1"/>
+          </p:cNvPicPr>
+          <p:nvPr/>
+        </p:nvPicPr>
+        <p:blipFill>
+          <a:blip r:embed="rId2">
+            <a:extLst>
+              <a:ext uri="{28A0092B-C50C-407E-A947-70E740481C1C}">
+                <a14:useLocalDpi xmlns:a14="http://schemas.microsoft.com/office/drawing/2010/main" val="0"/>
+              </a:ext>
+            </a:extLst>
+          </a:blip>
+          <a:stretch>
+            <a:fillRect/>
+          </a:stretch>
+        </p:blipFill>
+        <p:spPr>
+          <a:xfrm>
+            <a:off x="3524250" y="1104"/>
+            <a:ext cx="5142672" cy="6856896"/>
+          </a:xfrm>
+          <a:prstGeom prst="rect">
+            <a:avLst/>
+          </a:prstGeom>
+        </p:spPr>
+      </p:pic>
       <p:sp>
         <p:nvSpPr>
           <p:cNvPr id="2" name="Title 1">
@@ -3364,16 +3406,29 @@
             <p:ph type="ctrTitle"/>
           </p:nvPr>
         </p:nvSpPr>
-        <p:spPr/>
-        <p:txBody>
-          <a:bodyPr/>
-          <a:lstStyle/>
-          <a:p>
-            <a:r>
-              <a:rPr lang="en-US" dirty="0" err="1"/>
+        <p:spPr>
+          <a:xfrm>
+            <a:off x="1523586" y="431691"/>
+            <a:ext cx="9144000" cy="1061098"/>
+          </a:xfrm>
+        </p:spPr>
+        <p:txBody>
+          <a:bodyPr/>
+          <a:lstStyle/>
+          <a:p>
+            <a:r>
+              <a:rPr lang="en-US" b="1" dirty="0">
+                <a:solidFill>
+                  <a:srgbClr val="C00000"/>
+                </a:solidFill>
+              </a:rPr>
               <a:t>PaintBot</a:t>
             </a:r>
-            <a:endParaRPr lang="he-IL" dirty="0"/>
+            <a:endParaRPr lang="he-IL" b="1" dirty="0">
+              <a:solidFill>
+                <a:srgbClr val="C00000"/>
+              </a:solidFill>
+            </a:endParaRPr>
           </a:p>
         </p:txBody>
       </p:sp>
@@ -3459,7 +3514,7 @@
           <a:p>
             <a:r>
               <a:rPr lang="en-US" dirty="0"/>
-              <a:t>Our project is a robot that paints in watercolor a draw from an app.</a:t>
+              <a:t>Our project is a robot that paints in watercolors a draw from an app.</a:t>
             </a:r>
           </a:p>
           <a:p>
@@ -3471,15 +3526,7 @@
           <a:p>
             <a:r>
               <a:rPr lang="en-US" dirty="0"/>
-              <a:t>The user draws on our app and upload the draw to Firebase. The ESP downloads the data from firebase (</a:t>
-            </a:r>
-            <a:r>
-              <a:rPr lang="en-US" dirty="0" err="1"/>
-              <a:t>WiFi</a:t>
-            </a:r>
-            <a:r>
-              <a:rPr lang="en-US" dirty="0"/>
-              <a:t>) and moves the motors accordingly.</a:t>
+              <a:t>The user draws on our app and upload the draw to Firebase. The ESP downloads the data from firebase (Wi-Fi) and moves the motors accordingly.</a:t>
             </a:r>
           </a:p>
           <a:p>
@@ -3522,6 +3569,732 @@
           <p:cNvPr id="2" name="Title 1">
             <a:extLst>
               <a:ext uri="{FF2B5EF4-FFF2-40B4-BE49-F238E27FC236}">
+                <a16:creationId xmlns:a16="http://schemas.microsoft.com/office/drawing/2014/main" id="{9ED1A92E-39F1-DA24-38F8-81A00FB044CC}"/>
+              </a:ext>
+            </a:extLst>
+          </p:cNvPr>
+          <p:cNvSpPr>
+            <a:spLocks noGrp="1"/>
+          </p:cNvSpPr>
+          <p:nvPr>
+            <p:ph type="title"/>
+          </p:nvPr>
+        </p:nvSpPr>
+        <p:spPr/>
+        <p:txBody>
+          <a:bodyPr/>
+          <a:lstStyle/>
+          <a:p>
+            <a:r>
+              <a:rPr lang="en-US" dirty="0"/>
+              <a:t>System Diagram</a:t>
+            </a:r>
+            <a:endParaRPr lang="he-IL" dirty="0"/>
+          </a:p>
+        </p:txBody>
+      </p:sp>
+      <p:sp>
+        <p:nvSpPr>
+          <p:cNvPr id="4" name="Rectangle 3">
+            <a:extLst>
+              <a:ext uri="{FF2B5EF4-FFF2-40B4-BE49-F238E27FC236}">
+                <a16:creationId xmlns:a16="http://schemas.microsoft.com/office/drawing/2014/main" id="{8E92EB74-0408-3C3E-CE33-F25DFFA9FA17}"/>
+              </a:ext>
+            </a:extLst>
+          </p:cNvPr>
+          <p:cNvSpPr/>
+          <p:nvPr/>
+        </p:nvSpPr>
+        <p:spPr>
+          <a:xfrm>
+            <a:off x="2177643" y="5013291"/>
+            <a:ext cx="1837189" cy="1189139"/>
+          </a:xfrm>
+          <a:prstGeom prst="rect">
+            <a:avLst/>
+          </a:prstGeom>
+        </p:spPr>
+        <p:style>
+          <a:lnRef idx="2">
+            <a:schemeClr val="accent1">
+              <a:shade val="50000"/>
+            </a:schemeClr>
+          </a:lnRef>
+          <a:fillRef idx="1">
+            <a:schemeClr val="accent1"/>
+          </a:fillRef>
+          <a:effectRef idx="0">
+            <a:schemeClr val="accent1"/>
+          </a:effectRef>
+          <a:fontRef idx="minor">
+            <a:schemeClr val="lt1"/>
+          </a:fontRef>
+        </p:style>
+        <p:txBody>
+          <a:bodyPr rtlCol="1" anchor="ctr"/>
+          <a:lstStyle/>
+          <a:p>
+            <a:pPr algn="ctr"/>
+            <a:r>
+              <a:rPr lang="en-US" dirty="0"/>
+              <a:t>Flutter app</a:t>
+            </a:r>
+            <a:endParaRPr lang="he-IL" dirty="0"/>
+          </a:p>
+        </p:txBody>
+      </p:sp>
+      <p:cxnSp>
+        <p:nvCxnSpPr>
+          <p:cNvPr id="10" name="Straight Arrow Connector 9">
+            <a:extLst>
+              <a:ext uri="{FF2B5EF4-FFF2-40B4-BE49-F238E27FC236}">
+                <a16:creationId xmlns:a16="http://schemas.microsoft.com/office/drawing/2014/main" id="{B4B340D4-7832-81AD-2892-9C99156E9AFA}"/>
+              </a:ext>
+            </a:extLst>
+          </p:cNvPr>
+          <p:cNvCxnSpPr>
+            <a:cxnSpLocks/>
+            <a:stCxn id="4" idx="0"/>
+            <a:endCxn id="11" idx="2"/>
+          </p:cNvCxnSpPr>
+          <p:nvPr/>
+        </p:nvCxnSpPr>
+        <p:spPr>
+          <a:xfrm flipV="1">
+            <a:off x="3096238" y="2879827"/>
+            <a:ext cx="1" cy="2133464"/>
+          </a:xfrm>
+          <a:prstGeom prst="straightConnector1">
+            <a:avLst/>
+          </a:prstGeom>
+          <a:ln>
+            <a:tailEnd type="triangle"/>
+          </a:ln>
+        </p:spPr>
+        <p:style>
+          <a:lnRef idx="1">
+            <a:schemeClr val="accent1"/>
+          </a:lnRef>
+          <a:fillRef idx="0">
+            <a:schemeClr val="accent1"/>
+          </a:fillRef>
+          <a:effectRef idx="0">
+            <a:schemeClr val="accent1"/>
+          </a:effectRef>
+          <a:fontRef idx="minor">
+            <a:schemeClr val="tx1"/>
+          </a:fontRef>
+        </p:style>
+      </p:cxnSp>
+      <p:sp>
+        <p:nvSpPr>
+          <p:cNvPr id="11" name="Rectangle 10">
+            <a:extLst>
+              <a:ext uri="{FF2B5EF4-FFF2-40B4-BE49-F238E27FC236}">
+                <a16:creationId xmlns:a16="http://schemas.microsoft.com/office/drawing/2014/main" id="{6E88CEDD-B71C-9922-6CA4-8A648ABAAFEC}"/>
+              </a:ext>
+            </a:extLst>
+          </p:cNvPr>
+          <p:cNvSpPr/>
+          <p:nvPr/>
+        </p:nvSpPr>
+        <p:spPr>
+          <a:xfrm>
+            <a:off x="2177644" y="1690688"/>
+            <a:ext cx="1837189" cy="1189139"/>
+          </a:xfrm>
+          <a:prstGeom prst="rect">
+            <a:avLst/>
+          </a:prstGeom>
+        </p:spPr>
+        <p:style>
+          <a:lnRef idx="2">
+            <a:schemeClr val="accent1">
+              <a:shade val="50000"/>
+            </a:schemeClr>
+          </a:lnRef>
+          <a:fillRef idx="1">
+            <a:schemeClr val="accent1"/>
+          </a:fillRef>
+          <a:effectRef idx="0">
+            <a:schemeClr val="accent1"/>
+          </a:effectRef>
+          <a:fontRef idx="minor">
+            <a:schemeClr val="lt1"/>
+          </a:fontRef>
+        </p:style>
+        <p:txBody>
+          <a:bodyPr rtlCol="1" anchor="ctr"/>
+          <a:lstStyle/>
+          <a:p>
+            <a:pPr algn="ctr"/>
+            <a:r>
+              <a:rPr lang="en-US" dirty="0"/>
+              <a:t>Firebase</a:t>
+            </a:r>
+            <a:endParaRPr lang="he-IL" dirty="0"/>
+          </a:p>
+        </p:txBody>
+      </p:sp>
+      <p:cxnSp>
+        <p:nvCxnSpPr>
+          <p:cNvPr id="13" name="Straight Arrow Connector 12">
+            <a:extLst>
+              <a:ext uri="{FF2B5EF4-FFF2-40B4-BE49-F238E27FC236}">
+                <a16:creationId xmlns:a16="http://schemas.microsoft.com/office/drawing/2014/main" id="{F186DF37-D615-8B57-E73C-FF02C8E54BD6}"/>
+              </a:ext>
+            </a:extLst>
+          </p:cNvPr>
+          <p:cNvCxnSpPr>
+            <a:cxnSpLocks/>
+            <a:stCxn id="11" idx="2"/>
+            <a:endCxn id="14" idx="0"/>
+          </p:cNvCxnSpPr>
+          <p:nvPr/>
+        </p:nvCxnSpPr>
+        <p:spPr>
+          <a:xfrm>
+            <a:off x="3096239" y="2879827"/>
+            <a:ext cx="2406239" cy="737772"/>
+          </a:xfrm>
+          <a:prstGeom prst="straightConnector1">
+            <a:avLst/>
+          </a:prstGeom>
+          <a:ln>
+            <a:tailEnd type="triangle"/>
+          </a:ln>
+        </p:spPr>
+        <p:style>
+          <a:lnRef idx="1">
+            <a:schemeClr val="accent1"/>
+          </a:lnRef>
+          <a:fillRef idx="0">
+            <a:schemeClr val="accent1"/>
+          </a:fillRef>
+          <a:effectRef idx="0">
+            <a:schemeClr val="accent1"/>
+          </a:effectRef>
+          <a:fontRef idx="minor">
+            <a:schemeClr val="tx1"/>
+          </a:fontRef>
+        </p:style>
+      </p:cxnSp>
+      <p:sp>
+        <p:nvSpPr>
+          <p:cNvPr id="14" name="Rectangle 13">
+            <a:extLst>
+              <a:ext uri="{FF2B5EF4-FFF2-40B4-BE49-F238E27FC236}">
+                <a16:creationId xmlns:a16="http://schemas.microsoft.com/office/drawing/2014/main" id="{F6BA2640-2DD0-821A-3DE0-AD004DC599E5}"/>
+              </a:ext>
+            </a:extLst>
+          </p:cNvPr>
+          <p:cNvSpPr/>
+          <p:nvPr/>
+        </p:nvSpPr>
+        <p:spPr>
+          <a:xfrm>
+            <a:off x="4583883" y="3617599"/>
+            <a:ext cx="1837189" cy="1189139"/>
+          </a:xfrm>
+          <a:prstGeom prst="rect">
+            <a:avLst/>
+          </a:prstGeom>
+        </p:spPr>
+        <p:style>
+          <a:lnRef idx="2">
+            <a:schemeClr val="accent1">
+              <a:shade val="50000"/>
+            </a:schemeClr>
+          </a:lnRef>
+          <a:fillRef idx="1">
+            <a:schemeClr val="accent1"/>
+          </a:fillRef>
+          <a:effectRef idx="0">
+            <a:schemeClr val="accent1"/>
+          </a:effectRef>
+          <a:fontRef idx="minor">
+            <a:schemeClr val="lt1"/>
+          </a:fontRef>
+        </p:style>
+        <p:txBody>
+          <a:bodyPr rtlCol="1" anchor="ctr"/>
+          <a:lstStyle/>
+          <a:p>
+            <a:pPr algn="ctr"/>
+            <a:r>
+              <a:rPr lang="en-US" dirty="0"/>
+              <a:t>ESP32</a:t>
+            </a:r>
+            <a:endParaRPr lang="he-IL" dirty="0"/>
+          </a:p>
+        </p:txBody>
+      </p:sp>
+      <p:sp>
+        <p:nvSpPr>
+          <p:cNvPr id="15" name="Rectangle 14">
+            <a:extLst>
+              <a:ext uri="{FF2B5EF4-FFF2-40B4-BE49-F238E27FC236}">
+                <a16:creationId xmlns:a16="http://schemas.microsoft.com/office/drawing/2014/main" id="{1CC415BA-AC3C-F510-F265-7784D07622BA}"/>
+              </a:ext>
+            </a:extLst>
+          </p:cNvPr>
+          <p:cNvSpPr/>
+          <p:nvPr/>
+        </p:nvSpPr>
+        <p:spPr>
+          <a:xfrm>
+            <a:off x="4216172" y="2908498"/>
+            <a:ext cx="789961" cy="377198"/>
+          </a:xfrm>
+          <a:prstGeom prst="rect">
+            <a:avLst/>
+          </a:prstGeom>
+          <a:noFill/>
+          <a:ln>
+            <a:noFill/>
+          </a:ln>
+        </p:spPr>
+        <p:style>
+          <a:lnRef idx="2">
+            <a:schemeClr val="accent1">
+              <a:shade val="50000"/>
+            </a:schemeClr>
+          </a:lnRef>
+          <a:fillRef idx="1">
+            <a:schemeClr val="accent1"/>
+          </a:fillRef>
+          <a:effectRef idx="0">
+            <a:schemeClr val="accent1"/>
+          </a:effectRef>
+          <a:fontRef idx="minor">
+            <a:schemeClr val="lt1"/>
+          </a:fontRef>
+        </p:style>
+        <p:txBody>
+          <a:bodyPr rtlCol="1" anchor="ctr"/>
+          <a:lstStyle/>
+          <a:p>
+            <a:pPr algn="ctr"/>
+            <a:r>
+              <a:rPr lang="en-US" dirty="0">
+                <a:solidFill>
+                  <a:schemeClr val="tx1"/>
+                </a:solidFill>
+              </a:rPr>
+              <a:t>Wi-Fi</a:t>
+            </a:r>
+            <a:endParaRPr lang="he-IL" dirty="0">
+              <a:solidFill>
+                <a:schemeClr val="tx1"/>
+              </a:solidFill>
+            </a:endParaRPr>
+          </a:p>
+        </p:txBody>
+      </p:sp>
+      <p:sp>
+        <p:nvSpPr>
+          <p:cNvPr id="16" name="Rectangle 15">
+            <a:extLst>
+              <a:ext uri="{FF2B5EF4-FFF2-40B4-BE49-F238E27FC236}">
+                <a16:creationId xmlns:a16="http://schemas.microsoft.com/office/drawing/2014/main" id="{95F86EF6-706E-54D7-112F-B6CDA9DDC8C3}"/>
+              </a:ext>
+            </a:extLst>
+          </p:cNvPr>
+          <p:cNvSpPr/>
+          <p:nvPr/>
+        </p:nvSpPr>
+        <p:spPr>
+          <a:xfrm>
+            <a:off x="7899633" y="2197915"/>
+            <a:ext cx="1837189" cy="1189139"/>
+          </a:xfrm>
+          <a:prstGeom prst="rect">
+            <a:avLst/>
+          </a:prstGeom>
+        </p:spPr>
+        <p:style>
+          <a:lnRef idx="2">
+            <a:schemeClr val="accent1">
+              <a:shade val="50000"/>
+            </a:schemeClr>
+          </a:lnRef>
+          <a:fillRef idx="1">
+            <a:schemeClr val="accent1"/>
+          </a:fillRef>
+          <a:effectRef idx="0">
+            <a:schemeClr val="accent1"/>
+          </a:effectRef>
+          <a:fontRef idx="minor">
+            <a:schemeClr val="lt1"/>
+          </a:fontRef>
+        </p:style>
+        <p:txBody>
+          <a:bodyPr rtlCol="1" anchor="ctr"/>
+          <a:lstStyle/>
+          <a:p>
+            <a:pPr algn="ctr"/>
+            <a:r>
+              <a:rPr lang="en-US" dirty="0"/>
+              <a:t>Stepper 1</a:t>
+            </a:r>
+            <a:endParaRPr lang="he-IL" dirty="0"/>
+          </a:p>
+        </p:txBody>
+      </p:sp>
+      <p:sp>
+        <p:nvSpPr>
+          <p:cNvPr id="17" name="Rectangle 16">
+            <a:extLst>
+              <a:ext uri="{FF2B5EF4-FFF2-40B4-BE49-F238E27FC236}">
+                <a16:creationId xmlns:a16="http://schemas.microsoft.com/office/drawing/2014/main" id="{28E3406B-DB22-B00E-B3BA-482311335CE9}"/>
+              </a:ext>
+            </a:extLst>
+          </p:cNvPr>
+          <p:cNvSpPr/>
+          <p:nvPr/>
+        </p:nvSpPr>
+        <p:spPr>
+          <a:xfrm>
+            <a:off x="7927591" y="5219845"/>
+            <a:ext cx="1837189" cy="1189139"/>
+          </a:xfrm>
+          <a:prstGeom prst="rect">
+            <a:avLst/>
+          </a:prstGeom>
+        </p:spPr>
+        <p:style>
+          <a:lnRef idx="2">
+            <a:schemeClr val="accent1">
+              <a:shade val="50000"/>
+            </a:schemeClr>
+          </a:lnRef>
+          <a:fillRef idx="1">
+            <a:schemeClr val="accent1"/>
+          </a:fillRef>
+          <a:effectRef idx="0">
+            <a:schemeClr val="accent1"/>
+          </a:effectRef>
+          <a:fontRef idx="minor">
+            <a:schemeClr val="lt1"/>
+          </a:fontRef>
+        </p:style>
+        <p:txBody>
+          <a:bodyPr rtlCol="1" anchor="ctr"/>
+          <a:lstStyle/>
+          <a:p>
+            <a:pPr algn="ctr"/>
+            <a:r>
+              <a:rPr lang="en-US" dirty="0"/>
+              <a:t>Stepper 2</a:t>
+            </a:r>
+            <a:endParaRPr lang="he-IL" dirty="0"/>
+          </a:p>
+        </p:txBody>
+      </p:sp>
+      <p:cxnSp>
+        <p:nvCxnSpPr>
+          <p:cNvPr id="19" name="Straight Arrow Connector 18">
+            <a:extLst>
+              <a:ext uri="{FF2B5EF4-FFF2-40B4-BE49-F238E27FC236}">
+                <a16:creationId xmlns:a16="http://schemas.microsoft.com/office/drawing/2014/main" id="{9357C4F6-AA53-3B28-1F00-68C3DCD70286}"/>
+              </a:ext>
+            </a:extLst>
+          </p:cNvPr>
+          <p:cNvCxnSpPr>
+            <a:cxnSpLocks/>
+            <a:endCxn id="16" idx="1"/>
+          </p:cNvCxnSpPr>
+          <p:nvPr/>
+        </p:nvCxnSpPr>
+        <p:spPr>
+          <a:xfrm flipV="1">
+            <a:off x="6421072" y="2792485"/>
+            <a:ext cx="1478561" cy="825114"/>
+          </a:xfrm>
+          <a:prstGeom prst="straightConnector1">
+            <a:avLst/>
+          </a:prstGeom>
+          <a:ln>
+            <a:tailEnd type="triangle"/>
+          </a:ln>
+        </p:spPr>
+        <p:style>
+          <a:lnRef idx="1">
+            <a:schemeClr val="accent1"/>
+          </a:lnRef>
+          <a:fillRef idx="0">
+            <a:schemeClr val="accent1"/>
+          </a:fillRef>
+          <a:effectRef idx="0">
+            <a:schemeClr val="accent1"/>
+          </a:effectRef>
+          <a:fontRef idx="minor">
+            <a:schemeClr val="tx1"/>
+          </a:fontRef>
+        </p:style>
+      </p:cxnSp>
+      <p:cxnSp>
+        <p:nvCxnSpPr>
+          <p:cNvPr id="22" name="Straight Arrow Connector 21">
+            <a:extLst>
+              <a:ext uri="{FF2B5EF4-FFF2-40B4-BE49-F238E27FC236}">
+                <a16:creationId xmlns:a16="http://schemas.microsoft.com/office/drawing/2014/main" id="{A47446DE-1C98-0B5F-7E97-E7620E96465D}"/>
+              </a:ext>
+            </a:extLst>
+          </p:cNvPr>
+          <p:cNvCxnSpPr>
+            <a:cxnSpLocks/>
+          </p:cNvCxnSpPr>
+          <p:nvPr/>
+        </p:nvCxnSpPr>
+        <p:spPr>
+          <a:xfrm>
+            <a:off x="6421072" y="4806738"/>
+            <a:ext cx="1506519" cy="413107"/>
+          </a:xfrm>
+          <a:prstGeom prst="straightConnector1">
+            <a:avLst/>
+          </a:prstGeom>
+          <a:ln>
+            <a:tailEnd type="triangle"/>
+          </a:ln>
+        </p:spPr>
+        <p:style>
+          <a:lnRef idx="1">
+            <a:schemeClr val="accent1"/>
+          </a:lnRef>
+          <a:fillRef idx="0">
+            <a:schemeClr val="accent1"/>
+          </a:fillRef>
+          <a:effectRef idx="0">
+            <a:schemeClr val="accent1"/>
+          </a:effectRef>
+          <a:fontRef idx="minor">
+            <a:schemeClr val="tx1"/>
+          </a:fontRef>
+        </p:style>
+      </p:cxnSp>
+      <p:sp>
+        <p:nvSpPr>
+          <p:cNvPr id="26" name="Rectangle 25">
+            <a:extLst>
+              <a:ext uri="{FF2B5EF4-FFF2-40B4-BE49-F238E27FC236}">
+                <a16:creationId xmlns:a16="http://schemas.microsoft.com/office/drawing/2014/main" id="{688EA685-AB25-794C-29C4-0A2B378FE80D}"/>
+              </a:ext>
+            </a:extLst>
+          </p:cNvPr>
+          <p:cNvSpPr/>
+          <p:nvPr/>
+        </p:nvSpPr>
+        <p:spPr>
+          <a:xfrm>
+            <a:off x="10157669" y="3617599"/>
+            <a:ext cx="1837189" cy="1189139"/>
+          </a:xfrm>
+          <a:prstGeom prst="rect">
+            <a:avLst/>
+          </a:prstGeom>
+        </p:spPr>
+        <p:style>
+          <a:lnRef idx="2">
+            <a:schemeClr val="accent1">
+              <a:shade val="50000"/>
+            </a:schemeClr>
+          </a:lnRef>
+          <a:fillRef idx="1">
+            <a:schemeClr val="accent1"/>
+          </a:fillRef>
+          <a:effectRef idx="0">
+            <a:schemeClr val="accent1"/>
+          </a:effectRef>
+          <a:fontRef idx="minor">
+            <a:schemeClr val="lt1"/>
+          </a:fontRef>
+        </p:style>
+        <p:txBody>
+          <a:bodyPr rtlCol="1" anchor="ctr"/>
+          <a:lstStyle/>
+          <a:p>
+            <a:pPr algn="ctr"/>
+            <a:r>
+              <a:rPr lang="en-US" dirty="0"/>
+              <a:t>Servo</a:t>
+            </a:r>
+            <a:endParaRPr lang="he-IL" dirty="0"/>
+          </a:p>
+        </p:txBody>
+      </p:sp>
+      <p:cxnSp>
+        <p:nvCxnSpPr>
+          <p:cNvPr id="27" name="Straight Arrow Connector 26">
+            <a:extLst>
+              <a:ext uri="{FF2B5EF4-FFF2-40B4-BE49-F238E27FC236}">
+                <a16:creationId xmlns:a16="http://schemas.microsoft.com/office/drawing/2014/main" id="{A25EE53A-7393-8577-79EF-B3FE5E99E9E9}"/>
+              </a:ext>
+            </a:extLst>
+          </p:cNvPr>
+          <p:cNvCxnSpPr>
+            <a:cxnSpLocks/>
+            <a:stCxn id="14" idx="3"/>
+            <a:endCxn id="26" idx="1"/>
+          </p:cNvCxnSpPr>
+          <p:nvPr/>
+        </p:nvCxnSpPr>
+        <p:spPr>
+          <a:xfrm>
+            <a:off x="6421072" y="4212169"/>
+            <a:ext cx="3736597" cy="0"/>
+          </a:xfrm>
+          <a:prstGeom prst="straightConnector1">
+            <a:avLst/>
+          </a:prstGeom>
+          <a:ln>
+            <a:tailEnd type="triangle"/>
+          </a:ln>
+        </p:spPr>
+        <p:style>
+          <a:lnRef idx="1">
+            <a:schemeClr val="accent1"/>
+          </a:lnRef>
+          <a:fillRef idx="0">
+            <a:schemeClr val="accent1"/>
+          </a:fillRef>
+          <a:effectRef idx="0">
+            <a:schemeClr val="accent1"/>
+          </a:effectRef>
+          <a:fontRef idx="minor">
+            <a:schemeClr val="tx1"/>
+          </a:fontRef>
+        </p:style>
+      </p:cxnSp>
+      <p:sp>
+        <p:nvSpPr>
+          <p:cNvPr id="37" name="Rectangle 36">
+            <a:extLst>
+              <a:ext uri="{FF2B5EF4-FFF2-40B4-BE49-F238E27FC236}">
+                <a16:creationId xmlns:a16="http://schemas.microsoft.com/office/drawing/2014/main" id="{988645F6-FC17-D441-4845-EB2BC34F2868}"/>
+              </a:ext>
+            </a:extLst>
+          </p:cNvPr>
+          <p:cNvSpPr/>
+          <p:nvPr/>
+        </p:nvSpPr>
+        <p:spPr>
+          <a:xfrm>
+            <a:off x="47535" y="5262428"/>
+            <a:ext cx="1211513" cy="690863"/>
+          </a:xfrm>
+          <a:prstGeom prst="rect">
+            <a:avLst/>
+          </a:prstGeom>
+        </p:spPr>
+        <p:style>
+          <a:lnRef idx="2">
+            <a:schemeClr val="accent1">
+              <a:shade val="50000"/>
+            </a:schemeClr>
+          </a:lnRef>
+          <a:fillRef idx="1">
+            <a:schemeClr val="accent1"/>
+          </a:fillRef>
+          <a:effectRef idx="0">
+            <a:schemeClr val="accent1"/>
+          </a:effectRef>
+          <a:fontRef idx="minor">
+            <a:schemeClr val="lt1"/>
+          </a:fontRef>
+        </p:style>
+        <p:txBody>
+          <a:bodyPr rtlCol="1" anchor="ctr"/>
+          <a:lstStyle/>
+          <a:p>
+            <a:pPr algn="ctr"/>
+            <a:r>
+              <a:rPr lang="en-US" dirty="0"/>
+              <a:t>User input</a:t>
+            </a:r>
+            <a:endParaRPr lang="he-IL" dirty="0"/>
+          </a:p>
+        </p:txBody>
+      </p:sp>
+      <p:cxnSp>
+        <p:nvCxnSpPr>
+          <p:cNvPr id="39" name="Straight Arrow Connector 38">
+            <a:extLst>
+              <a:ext uri="{FF2B5EF4-FFF2-40B4-BE49-F238E27FC236}">
+                <a16:creationId xmlns:a16="http://schemas.microsoft.com/office/drawing/2014/main" id="{EAD4C74F-4262-5C5D-F7C4-C2590CD49B09}"/>
+              </a:ext>
+            </a:extLst>
+          </p:cNvPr>
+          <p:cNvCxnSpPr>
+            <a:cxnSpLocks/>
+            <a:stCxn id="37" idx="3"/>
+            <a:endCxn id="4" idx="1"/>
+          </p:cNvCxnSpPr>
+          <p:nvPr/>
+        </p:nvCxnSpPr>
+        <p:spPr>
+          <a:xfrm>
+            <a:off x="1259048" y="5607860"/>
+            <a:ext cx="918595" cy="1"/>
+          </a:xfrm>
+          <a:prstGeom prst="straightConnector1">
+            <a:avLst/>
+          </a:prstGeom>
+          <a:ln>
+            <a:tailEnd type="triangle"/>
+          </a:ln>
+        </p:spPr>
+        <p:style>
+          <a:lnRef idx="1">
+            <a:schemeClr val="accent1"/>
+          </a:lnRef>
+          <a:fillRef idx="0">
+            <a:schemeClr val="accent1"/>
+          </a:fillRef>
+          <a:effectRef idx="0">
+            <a:schemeClr val="accent1"/>
+          </a:effectRef>
+          <a:fontRef idx="minor">
+            <a:schemeClr val="tx1"/>
+          </a:fontRef>
+        </p:style>
+      </p:cxnSp>
+    </p:spTree>
+    <p:extLst>
+      <p:ext uri="{BB962C8B-B14F-4D97-AF65-F5344CB8AC3E}">
+        <p14:creationId xmlns:p14="http://schemas.microsoft.com/office/powerpoint/2010/main" val="3477185218"/>
+      </p:ext>
+    </p:extLst>
+  </p:cSld>
+  <p:clrMapOvr>
+    <a:masterClrMapping/>
+  </p:clrMapOvr>
+</p:sld>
+</file>
+
+<file path=ppt/slides/slide4.xml><?xml version="1.0" encoding="utf-8"?>
+<p:sld xmlns:a="http://schemas.openxmlformats.org/drawingml/2006/main" xmlns:r="http://schemas.openxmlformats.org/officeDocument/2006/relationships" xmlns:p="http://schemas.openxmlformats.org/presentationml/2006/main">
+  <p:cSld>
+    <p:spTree>
+      <p:nvGrpSpPr>
+        <p:cNvPr id="1" name=""/>
+        <p:cNvGrpSpPr/>
+        <p:nvPr/>
+      </p:nvGrpSpPr>
+      <p:grpSpPr>
+        <a:xfrm>
+          <a:off x="0" y="0"/>
+          <a:ext cx="0" cy="0"/>
+          <a:chOff x="0" y="0"/>
+          <a:chExt cx="0" cy="0"/>
+        </a:xfrm>
+      </p:grpSpPr>
+      <p:sp>
+        <p:nvSpPr>
+          <p:cNvPr id="2" name="Title 1">
+            <a:extLst>
+              <a:ext uri="{FF2B5EF4-FFF2-40B4-BE49-F238E27FC236}">
                 <a16:creationId xmlns:a16="http://schemas.microsoft.com/office/drawing/2014/main" id="{9F316056-B7E4-9546-686F-48BEBE377B22}"/>
               </a:ext>
             </a:extLst>
@@ -3588,170 +4361,6 @@
 </p:sld>
 </file>
 
-<file path=ppt/slides/slide4.xml><?xml version="1.0" encoding="utf-8"?>
-<p:sld xmlns:a="http://schemas.openxmlformats.org/drawingml/2006/main" xmlns:r="http://schemas.openxmlformats.org/officeDocument/2006/relationships" xmlns:p="http://schemas.openxmlformats.org/presentationml/2006/main">
-  <p:cSld>
-    <p:spTree>
-      <p:nvGrpSpPr>
-        <p:cNvPr id="1" name=""/>
-        <p:cNvGrpSpPr/>
-        <p:nvPr/>
-      </p:nvGrpSpPr>
-      <p:grpSpPr>
-        <a:xfrm>
-          <a:off x="0" y="0"/>
-          <a:ext cx="0" cy="0"/>
-          <a:chOff x="0" y="0"/>
-          <a:chExt cx="0" cy="0"/>
-        </a:xfrm>
-      </p:grpSpPr>
-      <p:sp>
-        <p:nvSpPr>
-          <p:cNvPr id="2" name="Title 1">
-            <a:extLst>
-              <a:ext uri="{FF2B5EF4-FFF2-40B4-BE49-F238E27FC236}">
-                <a16:creationId xmlns:a16="http://schemas.microsoft.com/office/drawing/2014/main" id="{1DDA3965-B852-102A-AB9D-152E94605AD8}"/>
-              </a:ext>
-            </a:extLst>
-          </p:cNvPr>
-          <p:cNvSpPr>
-            <a:spLocks noGrp="1"/>
-          </p:cNvSpPr>
-          <p:nvPr>
-            <p:ph type="title"/>
-          </p:nvPr>
-        </p:nvSpPr>
-        <p:spPr/>
-        <p:txBody>
-          <a:bodyPr/>
-          <a:lstStyle/>
-          <a:p>
-            <a:r>
-              <a:rPr lang="en-US" dirty="0"/>
-              <a:t>Achievements</a:t>
-            </a:r>
-            <a:endParaRPr lang="he-IL" dirty="0"/>
-          </a:p>
-        </p:txBody>
-      </p:sp>
-      <p:sp>
-        <p:nvSpPr>
-          <p:cNvPr id="3" name="Content Placeholder 2">
-            <a:extLst>
-              <a:ext uri="{FF2B5EF4-FFF2-40B4-BE49-F238E27FC236}">
-                <a16:creationId xmlns:a16="http://schemas.microsoft.com/office/drawing/2014/main" id="{819D488B-1284-03A0-0E1F-DC916F2913E3}"/>
-              </a:ext>
-            </a:extLst>
-          </p:cNvPr>
-          <p:cNvSpPr>
-            <a:spLocks noGrp="1"/>
-          </p:cNvSpPr>
-          <p:nvPr>
-            <p:ph idx="1"/>
-          </p:nvPr>
-        </p:nvSpPr>
-        <p:spPr/>
-        <p:txBody>
-          <a:bodyPr/>
-          <a:lstStyle/>
-          <a:p>
-            <a:r>
-              <a:rPr lang="en-US" dirty="0"/>
-              <a:t>We finished the drawing app.</a:t>
-            </a:r>
-          </a:p>
-          <a:p>
-            <a:r>
-              <a:rPr lang="en-US" dirty="0"/>
-              <a:t>We finished the main framework of the robot.</a:t>
-            </a:r>
-          </a:p>
-          <a:p>
-            <a:r>
-              <a:rPr lang="en-US" dirty="0"/>
-              <a:t>The Flutter-</a:t>
-            </a:r>
-            <a:r>
-              <a:rPr lang="en-US" dirty="0" err="1"/>
-              <a:t>FireBase</a:t>
-            </a:r>
-            <a:r>
-              <a:rPr lang="en-US" dirty="0"/>
-              <a:t>-ESP-Robot chain is complete.</a:t>
-            </a:r>
-          </a:p>
-          <a:p>
-            <a:endParaRPr lang="en-US" dirty="0"/>
-          </a:p>
-          <a:p>
-            <a:endParaRPr lang="he-IL" dirty="0"/>
-          </a:p>
-        </p:txBody>
-      </p:sp>
-      <p:sp>
-        <p:nvSpPr>
-          <p:cNvPr id="8" name="Title 1">
-            <a:extLst>
-              <a:ext uri="{FF2B5EF4-FFF2-40B4-BE49-F238E27FC236}">
-                <a16:creationId xmlns:a16="http://schemas.microsoft.com/office/drawing/2014/main" id="{BCDA971E-EB0B-D209-0F3B-61CF1EF562D4}"/>
-              </a:ext>
-            </a:extLst>
-          </p:cNvPr>
-          <p:cNvSpPr txBox="1">
-            <a:spLocks/>
-          </p:cNvSpPr>
-          <p:nvPr/>
-        </p:nvSpPr>
-        <p:spPr>
-          <a:xfrm>
-            <a:off x="838200" y="4096636"/>
-            <a:ext cx="10515600" cy="1325563"/>
-          </a:xfrm>
-          <a:prstGeom prst="rect">
-            <a:avLst/>
-          </a:prstGeom>
-        </p:spPr>
-        <p:txBody>
-          <a:bodyPr vert="horz" lIns="91440" tIns="45720" rIns="91440" bIns="45720" rtlCol="0" anchor="ctr">
-            <a:normAutofit/>
-          </a:bodyPr>
-          <a:lstStyle>
-            <a:lvl1pPr algn="l" defTabSz="914400" rtl="0" eaLnBrk="1" latinLnBrk="0" hangingPunct="1">
-              <a:lnSpc>
-                <a:spcPct val="90000"/>
-              </a:lnSpc>
-              <a:spcBef>
-                <a:spcPct val="0"/>
-              </a:spcBef>
-              <a:buNone/>
-              <a:defRPr sz="4400" kern="1200">
-                <a:solidFill>
-                  <a:schemeClr val="tx1"/>
-                </a:solidFill>
-                <a:latin typeface="+mj-lt"/>
-                <a:ea typeface="+mj-ea"/>
-                <a:cs typeface="+mj-cs"/>
-              </a:defRPr>
-            </a:lvl1pPr>
-          </a:lstStyle>
-          <a:p>
-            <a:endParaRPr lang="he-IL" dirty="0"/>
-          </a:p>
-        </p:txBody>
-      </p:sp>
-    </p:spTree>
-    <p:extLst>
-      <p:ext uri="{BB962C8B-B14F-4D97-AF65-F5344CB8AC3E}">
-        <p14:creationId xmlns:p14="http://schemas.microsoft.com/office/powerpoint/2010/main" val="1069126437"/>
-      </p:ext>
-    </p:extLst>
-  </p:cSld>
-  <p:clrMapOvr>
-    <a:masterClrMapping/>
-  </p:clrMapOvr>
-</p:sld>
-</file>
-
 <file path=ppt/slides/slide5.xml><?xml version="1.0" encoding="utf-8"?>
 <p:sld xmlns:a="http://schemas.openxmlformats.org/drawingml/2006/main" xmlns:r="http://schemas.openxmlformats.org/officeDocument/2006/relationships" xmlns:p="http://schemas.openxmlformats.org/presentationml/2006/main">
   <p:cSld>
@@ -3774,7 +4383,7 @@
           <p:cNvPr id="2" name="Title 1">
             <a:extLst>
               <a:ext uri="{FF2B5EF4-FFF2-40B4-BE49-F238E27FC236}">
-                <a16:creationId xmlns:a16="http://schemas.microsoft.com/office/drawing/2014/main" id="{E3580D1E-EA40-0796-A213-A77B023D44DB}"/>
+                <a16:creationId xmlns:a16="http://schemas.microsoft.com/office/drawing/2014/main" id="{1DDA3965-B852-102A-AB9D-152E94605AD8}"/>
               </a:ext>
             </a:extLst>
           </p:cNvPr>
@@ -3792,7 +4401,7 @@
           <a:p>
             <a:r>
               <a:rPr lang="en-US" dirty="0"/>
-              <a:t>Demo</a:t>
+              <a:t>Achievements</a:t>
             </a:r>
             <a:endParaRPr lang="he-IL" dirty="0"/>
           </a:p>
@@ -3803,7 +4412,7 @@
           <p:cNvPr id="3" name="Content Placeholder 2">
             <a:extLst>
               <a:ext uri="{FF2B5EF4-FFF2-40B4-BE49-F238E27FC236}">
-                <a16:creationId xmlns:a16="http://schemas.microsoft.com/office/drawing/2014/main" id="{8E4EAA65-536E-E156-ABB9-D0CCCE0A7353}"/>
+                <a16:creationId xmlns:a16="http://schemas.microsoft.com/office/drawing/2014/main" id="{819D488B-1284-03A0-0E1F-DC916F2913E3}"/>
               </a:ext>
             </a:extLst>
           </p:cNvPr>
@@ -3818,6 +4427,78 @@
         <p:txBody>
           <a:bodyPr/>
           <a:lstStyle/>
+          <a:p>
+            <a:r>
+              <a:rPr lang="en-US" dirty="0"/>
+              <a:t>We finished the drawing app.</a:t>
+            </a:r>
+          </a:p>
+          <a:p>
+            <a:r>
+              <a:rPr lang="en-US" dirty="0"/>
+              <a:t>We finished the main framework of the robot.</a:t>
+            </a:r>
+          </a:p>
+          <a:p>
+            <a:r>
+              <a:rPr lang="en-US" dirty="0"/>
+              <a:t>The Flutter-FireBase-ESP-Robot chain is complete.</a:t>
+            </a:r>
+          </a:p>
+          <a:p>
+            <a:endParaRPr lang="en-US" dirty="0"/>
+          </a:p>
+          <a:p>
+            <a:endParaRPr lang="he-IL" dirty="0"/>
+          </a:p>
+        </p:txBody>
+      </p:sp>
+      <p:sp>
+        <p:nvSpPr>
+          <p:cNvPr id="8" name="Title 1">
+            <a:extLst>
+              <a:ext uri="{FF2B5EF4-FFF2-40B4-BE49-F238E27FC236}">
+                <a16:creationId xmlns:a16="http://schemas.microsoft.com/office/drawing/2014/main" id="{BCDA971E-EB0B-D209-0F3B-61CF1EF562D4}"/>
+              </a:ext>
+            </a:extLst>
+          </p:cNvPr>
+          <p:cNvSpPr txBox="1">
+            <a:spLocks/>
+          </p:cNvSpPr>
+          <p:nvPr/>
+        </p:nvSpPr>
+        <p:spPr>
+          <a:xfrm>
+            <a:off x="838200" y="4096636"/>
+            <a:ext cx="10515600" cy="1325563"/>
+          </a:xfrm>
+          <a:prstGeom prst="rect">
+            <a:avLst/>
+          </a:prstGeom>
+        </p:spPr>
+        <p:txBody>
+          <a:bodyPr vert="horz" lIns="91440" tIns="45720" rIns="91440" bIns="45720" rtlCol="0" anchor="ctr">
+            <a:normAutofit/>
+          </a:bodyPr>
+          <a:lstStyle>
+            <a:lvl1pPr algn="l" defTabSz="914400" rtl="0" eaLnBrk="1" latinLnBrk="0" hangingPunct="1">
+              <a:lnSpc>
+                <a:spcPct val="90000"/>
+              </a:lnSpc>
+              <a:spcBef>
+                <a:spcPct val="0"/>
+              </a:spcBef>
+              <a:buNone/>
+              <a:defRPr sz="4400" kern="1200">
+                <a:solidFill>
+                  <a:schemeClr val="tx1"/>
+                </a:solidFill>
+                <a:latin typeface="+mj-lt"/>
+                <a:ea typeface="+mj-ea"/>
+                <a:cs typeface="+mj-cs"/>
+              </a:defRPr>
+            </a:lvl1pPr>
+          </a:lstStyle>
           <a:p>
             <a:endParaRPr lang="he-IL" dirty="0"/>
           </a:p>
@@ -3826,7 +4507,7 @@
     </p:spTree>
     <p:extLst>
       <p:ext uri="{BB962C8B-B14F-4D97-AF65-F5344CB8AC3E}">
-        <p14:creationId xmlns:p14="http://schemas.microsoft.com/office/powerpoint/2010/main" val="2214704055"/>
+        <p14:creationId xmlns:p14="http://schemas.microsoft.com/office/powerpoint/2010/main" val="1069126437"/>
       </p:ext>
     </p:extLst>
   </p:cSld>
@@ -3858,7 +4539,7 @@
           <p:cNvPr id="2" name="Title 1">
             <a:extLst>
               <a:ext uri="{FF2B5EF4-FFF2-40B4-BE49-F238E27FC236}">
-                <a16:creationId xmlns:a16="http://schemas.microsoft.com/office/drawing/2014/main" id="{63B0AA6E-0985-5572-02B7-8A706F89B86C}"/>
+                <a16:creationId xmlns:a16="http://schemas.microsoft.com/office/drawing/2014/main" id="{E3580D1E-EA40-0796-A213-A77B023D44DB}"/>
               </a:ext>
             </a:extLst>
           </p:cNvPr>
@@ -3876,94 +4557,193 @@
           <a:p>
             <a:r>
               <a:rPr lang="en-US" dirty="0"/>
-              <a:t>Challenges</a:t>
+              <a:t>Demo</a:t>
             </a:r>
             <a:endParaRPr lang="he-IL" dirty="0"/>
           </a:p>
         </p:txBody>
       </p:sp>
-      <p:sp>
-        <p:nvSpPr>
-          <p:cNvPr id="3" name="Content Placeholder 2">
-            <a:extLst>
-              <a:ext uri="{FF2B5EF4-FFF2-40B4-BE49-F238E27FC236}">
-                <a16:creationId xmlns:a16="http://schemas.microsoft.com/office/drawing/2014/main" id="{98745F64-60C1-BF6E-B476-1BD305C757FF}"/>
-              </a:ext>
-            </a:extLst>
-          </p:cNvPr>
-          <p:cNvSpPr>
-            <a:spLocks noGrp="1"/>
-          </p:cNvSpPr>
+      <p:pic>
+        <p:nvPicPr>
+          <p:cNvPr id="4" name="PaintBot demo">
+            <a:hlinkClick r:id="" action="ppaction://media"/>
+            <a:extLst>
+              <a:ext uri="{FF2B5EF4-FFF2-40B4-BE49-F238E27FC236}">
+                <a16:creationId xmlns:a16="http://schemas.microsoft.com/office/drawing/2014/main" id="{D4829FF1-4242-EE4C-444F-D0AFE4229711}"/>
+              </a:ext>
+            </a:extLst>
+          </p:cNvPr>
+          <p:cNvPicPr>
+            <a:picLocks noGrp="1" noChangeAspect="1"/>
+          </p:cNvPicPr>
           <p:nvPr>
             <p:ph idx="1"/>
-          </p:nvPr>
-        </p:nvSpPr>
-        <p:spPr/>
-        <p:txBody>
-          <a:bodyPr/>
-          <a:lstStyle/>
-          <a:p>
-            <a:pPr marL="571500" indent="-571500">
-              <a:buFont typeface="Arial" panose="020B0604020202020204" pitchFamily="34" charset="0"/>
-              <a:buChar char="•"/>
-            </a:pPr>
-            <a:r>
-              <a:rPr lang="en-US" sz="2800" dirty="0">
-                <a:latin typeface="+mn-lt"/>
-                <a:ea typeface="+mn-ea"/>
-                <a:cs typeface="+mn-cs"/>
-              </a:rPr>
-              <a:t>Add up-down feature for brush.</a:t>
-            </a:r>
-          </a:p>
-          <a:p>
-            <a:pPr marL="571500" indent="-571500">
-              <a:buFont typeface="Arial" panose="020B0604020202020204" pitchFamily="34" charset="0"/>
-              <a:buChar char="•"/>
-            </a:pPr>
-            <a:r>
-              <a:rPr lang="en-US" sz="2800" dirty="0">
-                <a:latin typeface="+mn-lt"/>
-                <a:ea typeface="+mn-ea"/>
-                <a:cs typeface="+mn-cs"/>
-              </a:rPr>
-              <a:t>Fine tune robot moves to create a more accurate draw.</a:t>
-            </a:r>
-          </a:p>
-          <a:p>
-            <a:pPr marL="571500" indent="-571500">
-              <a:buFont typeface="Arial" panose="020B0604020202020204" pitchFamily="34" charset="0"/>
-              <a:buChar char="•"/>
-            </a:pPr>
-            <a:r>
-              <a:rPr lang="en-US" dirty="0">
-                <a:latin typeface="+mn-lt"/>
-                <a:ea typeface="+mn-ea"/>
-                <a:cs typeface="+mn-cs"/>
-              </a:rPr>
-              <a:t>Add stop switches to allow “back home” feature.</a:t>
-            </a:r>
-            <a:endParaRPr lang="he-IL" sz="2800" dirty="0">
-              <a:latin typeface="+mn-lt"/>
-              <a:ea typeface="+mn-ea"/>
-              <a:cs typeface="+mn-cs"/>
-            </a:endParaRPr>
-          </a:p>
-          <a:p>
-            <a:endParaRPr lang="he-IL" dirty="0"/>
-          </a:p>
-        </p:txBody>
-      </p:sp>
+            <a:videoFile r:link="rId2"/>
+            <p:extLst>
+              <p:ext uri="{DAA4B4D4-6D71-4841-9C94-3DE7FCFB9230}">
+                <p14:media xmlns:p14="http://schemas.microsoft.com/office/powerpoint/2010/main" r:embed="rId1"/>
+              </p:ext>
+            </p:extLst>
+          </p:nvPr>
+        </p:nvPicPr>
+        <p:blipFill>
+          <a:blip r:embed="rId4"/>
+          <a:stretch>
+            <a:fillRect/>
+          </a:stretch>
+        </p:blipFill>
+        <p:spPr>
+          <a:xfrm>
+            <a:off x="4316910" y="604395"/>
+            <a:ext cx="3414282" cy="6029993"/>
+          </a:xfrm>
+        </p:spPr>
+      </p:pic>
     </p:spTree>
     <p:extLst>
       <p:ext uri="{BB962C8B-B14F-4D97-AF65-F5344CB8AC3E}">
-        <p14:creationId xmlns:p14="http://schemas.microsoft.com/office/powerpoint/2010/main" val="2301677243"/>
+        <p14:creationId xmlns:p14="http://schemas.microsoft.com/office/powerpoint/2010/main" val="2214704055"/>
       </p:ext>
     </p:extLst>
   </p:cSld>
   <p:clrMapOvr>
     <a:masterClrMapping/>
   </p:clrMapOvr>
+  <p:timing>
+    <p:tnLst>
+      <p:par>
+        <p:cTn id="1" dur="indefinite" restart="never" nodeType="tmRoot">
+          <p:childTnLst>
+            <p:seq concurrent="1" nextAc="seek">
+              <p:cTn id="2" dur="indefinite" nodeType="mainSeq">
+                <p:childTnLst>
+                  <p:par>
+                    <p:cTn id="3" fill="hold">
+                      <p:stCondLst>
+                        <p:cond delay="indefinite"/>
+                      </p:stCondLst>
+                      <p:childTnLst>
+                        <p:par>
+                          <p:cTn id="4" fill="hold">
+                            <p:stCondLst>
+                              <p:cond delay="0"/>
+                            </p:stCondLst>
+                            <p:childTnLst>
+                              <p:par>
+                                <p:cTn id="5" presetID="1" presetClass="mediacall" presetSubtype="0" fill="hold" nodeType="clickEffect">
+                                  <p:stCondLst>
+                                    <p:cond delay="0"/>
+                                  </p:stCondLst>
+                                  <p:childTnLst>
+                                    <p:cmd type="call" cmd="playFrom(0.0)">
+                                      <p:cBhvr>
+                                        <p:cTn id="6" dur="16346" fill="hold"/>
+                                        <p:tgtEl>
+                                          <p:spTgt spid="4"/>
+                                        </p:tgtEl>
+                                      </p:cBhvr>
+                                    </p:cmd>
+                                  </p:childTnLst>
+                                </p:cTn>
+                              </p:par>
+                            </p:childTnLst>
+                          </p:cTn>
+                        </p:par>
+                      </p:childTnLst>
+                    </p:cTn>
+                  </p:par>
+                </p:childTnLst>
+              </p:cTn>
+              <p:prevCondLst>
+                <p:cond evt="onPrev" delay="0">
+                  <p:tgtEl>
+                    <p:sldTgt/>
+                  </p:tgtEl>
+                </p:cond>
+              </p:prevCondLst>
+              <p:nextCondLst>
+                <p:cond evt="onNext" delay="0">
+                  <p:tgtEl>
+                    <p:sldTgt/>
+                  </p:tgtEl>
+                </p:cond>
+              </p:nextCondLst>
+            </p:seq>
+            <p:video>
+              <p:cMediaNode vol="80000">
+                <p:cTn id="7" fill="hold" display="0">
+                  <p:stCondLst>
+                    <p:cond delay="indefinite"/>
+                  </p:stCondLst>
+                </p:cTn>
+                <p:tgtEl>
+                  <p:spTgt spid="4"/>
+                </p:tgtEl>
+              </p:cMediaNode>
+            </p:video>
+            <p:seq concurrent="1" nextAc="seek">
+              <p:cTn id="8" restart="whenNotActive" fill="hold" evtFilter="cancelBubble" nodeType="interactiveSeq">
+                <p:stCondLst>
+                  <p:cond evt="onClick" delay="0">
+                    <p:tgtEl>
+                      <p:spTgt spid="4"/>
+                    </p:tgtEl>
+                  </p:cond>
+                </p:stCondLst>
+                <p:endSync evt="end" delay="0">
+                  <p:rtn val="all"/>
+                </p:endSync>
+                <p:childTnLst>
+                  <p:par>
+                    <p:cTn id="9" fill="hold">
+                      <p:stCondLst>
+                        <p:cond delay="0"/>
+                      </p:stCondLst>
+                      <p:childTnLst>
+                        <p:par>
+                          <p:cTn id="10" fill="hold">
+                            <p:stCondLst>
+                              <p:cond delay="0"/>
+                            </p:stCondLst>
+                            <p:childTnLst>
+                              <p:par>
+                                <p:cTn id="11" presetID="2" presetClass="mediacall" presetSubtype="0" fill="hold" nodeType="clickEffect">
+                                  <p:stCondLst>
+                                    <p:cond delay="0"/>
+                                  </p:stCondLst>
+                                  <p:childTnLst>
+                                    <p:cmd type="call" cmd="togglePause">
+                                      <p:cBhvr>
+                                        <p:cTn id="12" dur="1" fill="hold"/>
+                                        <p:tgtEl>
+                                          <p:spTgt spid="4"/>
+                                        </p:tgtEl>
+                                      </p:cBhvr>
+                                    </p:cmd>
+                                  </p:childTnLst>
+                                </p:cTn>
+                              </p:par>
+                            </p:childTnLst>
+                          </p:cTn>
+                        </p:par>
+                      </p:childTnLst>
+                    </p:cTn>
+                  </p:par>
+                </p:childTnLst>
+              </p:cTn>
+              <p:nextCondLst>
+                <p:cond evt="onClick" delay="0">
+                  <p:tgtEl>
+                    <p:spTgt spid="4"/>
+                  </p:tgtEl>
+                </p:cond>
+              </p:nextCondLst>
+            </p:seq>
+          </p:childTnLst>
+        </p:cTn>
+      </p:par>
+    </p:tnLst>
+  </p:timing>
 </p:sld>
 </file>
 
@@ -3989,6 +4769,137 @@
           <p:cNvPr id="2" name="Title 1">
             <a:extLst>
               <a:ext uri="{FF2B5EF4-FFF2-40B4-BE49-F238E27FC236}">
+                <a16:creationId xmlns:a16="http://schemas.microsoft.com/office/drawing/2014/main" id="{63B0AA6E-0985-5572-02B7-8A706F89B86C}"/>
+              </a:ext>
+            </a:extLst>
+          </p:cNvPr>
+          <p:cNvSpPr>
+            <a:spLocks noGrp="1"/>
+          </p:cNvSpPr>
+          <p:nvPr>
+            <p:ph type="title"/>
+          </p:nvPr>
+        </p:nvSpPr>
+        <p:spPr/>
+        <p:txBody>
+          <a:bodyPr/>
+          <a:lstStyle/>
+          <a:p>
+            <a:r>
+              <a:rPr lang="en-US" dirty="0"/>
+              <a:t>Challenges</a:t>
+            </a:r>
+            <a:endParaRPr lang="he-IL" dirty="0"/>
+          </a:p>
+        </p:txBody>
+      </p:sp>
+      <p:sp>
+        <p:nvSpPr>
+          <p:cNvPr id="3" name="Content Placeholder 2">
+            <a:extLst>
+              <a:ext uri="{FF2B5EF4-FFF2-40B4-BE49-F238E27FC236}">
+                <a16:creationId xmlns:a16="http://schemas.microsoft.com/office/drawing/2014/main" id="{98745F64-60C1-BF6E-B476-1BD305C757FF}"/>
+              </a:ext>
+            </a:extLst>
+          </p:cNvPr>
+          <p:cNvSpPr>
+            <a:spLocks noGrp="1"/>
+          </p:cNvSpPr>
+          <p:nvPr>
+            <p:ph idx="1"/>
+          </p:nvPr>
+        </p:nvSpPr>
+        <p:spPr/>
+        <p:txBody>
+          <a:bodyPr/>
+          <a:lstStyle/>
+          <a:p>
+            <a:pPr marL="571500" indent="-571500">
+              <a:buFont typeface="Arial" panose="020B0604020202020204" pitchFamily="34" charset="0"/>
+              <a:buChar char="•"/>
+            </a:pPr>
+            <a:r>
+              <a:rPr lang="en-US" sz="2800" dirty="0">
+                <a:latin typeface="+mn-lt"/>
+                <a:ea typeface="+mn-ea"/>
+                <a:cs typeface="+mn-cs"/>
+              </a:rPr>
+              <a:t>Add lift up-down feature for the brush (servo motor).</a:t>
+            </a:r>
+          </a:p>
+          <a:p>
+            <a:pPr marL="571500" indent="-571500">
+              <a:buFont typeface="Arial" panose="020B0604020202020204" pitchFamily="34" charset="0"/>
+              <a:buChar char="•"/>
+            </a:pPr>
+            <a:r>
+              <a:rPr lang="en-US" sz="2800" dirty="0">
+                <a:latin typeface="+mn-lt"/>
+                <a:ea typeface="+mn-ea"/>
+                <a:cs typeface="+mn-cs"/>
+              </a:rPr>
+              <a:t>Fine tune robot moves to create a more accurate draw.</a:t>
+            </a:r>
+          </a:p>
+          <a:p>
+            <a:pPr marL="571500" indent="-571500">
+              <a:buFont typeface="Arial" panose="020B0604020202020204" pitchFamily="34" charset="0"/>
+              <a:buChar char="•"/>
+            </a:pPr>
+            <a:r>
+              <a:rPr lang="en-US" dirty="0">
+                <a:latin typeface="+mn-lt"/>
+                <a:ea typeface="+mn-ea"/>
+                <a:cs typeface="+mn-cs"/>
+              </a:rPr>
+              <a:t>Add stop switches to allow “back home” feature.</a:t>
+            </a:r>
+            <a:endParaRPr lang="he-IL" sz="2800" dirty="0">
+              <a:latin typeface="+mn-lt"/>
+              <a:ea typeface="+mn-ea"/>
+              <a:cs typeface="+mn-cs"/>
+            </a:endParaRPr>
+          </a:p>
+          <a:p>
+            <a:endParaRPr lang="he-IL" dirty="0"/>
+          </a:p>
+        </p:txBody>
+      </p:sp>
+    </p:spTree>
+    <p:extLst>
+      <p:ext uri="{BB962C8B-B14F-4D97-AF65-F5344CB8AC3E}">
+        <p14:creationId xmlns:p14="http://schemas.microsoft.com/office/powerpoint/2010/main" val="2301677243"/>
+      </p:ext>
+    </p:extLst>
+  </p:cSld>
+  <p:clrMapOvr>
+    <a:masterClrMapping/>
+  </p:clrMapOvr>
+</p:sld>
+</file>
+
+<file path=ppt/slides/slide8.xml><?xml version="1.0" encoding="utf-8"?>
+<p:sld xmlns:a="http://schemas.openxmlformats.org/drawingml/2006/main" xmlns:r="http://schemas.openxmlformats.org/officeDocument/2006/relationships" xmlns:p="http://schemas.openxmlformats.org/presentationml/2006/main">
+  <p:cSld>
+    <p:spTree>
+      <p:nvGrpSpPr>
+        <p:cNvPr id="1" name=""/>
+        <p:cNvGrpSpPr/>
+        <p:nvPr/>
+      </p:nvGrpSpPr>
+      <p:grpSpPr>
+        <a:xfrm>
+          <a:off x="0" y="0"/>
+          <a:ext cx="0" cy="0"/>
+          <a:chOff x="0" y="0"/>
+          <a:chExt cx="0" cy="0"/>
+        </a:xfrm>
+      </p:grpSpPr>
+      <p:sp>
+        <p:nvSpPr>
+          <p:cNvPr id="2" name="Title 1">
+            <a:extLst>
+              <a:ext uri="{FF2B5EF4-FFF2-40B4-BE49-F238E27FC236}">
                 <a16:creationId xmlns:a16="http://schemas.microsoft.com/office/drawing/2014/main" id="{DE4BB909-EFD7-ACC0-1B6F-E434E6A48F15}"/>
               </a:ext>
             </a:extLst>
@@ -4029,14 +4940,14 @@
             <p:ph idx="1"/>
             <p:extLst>
               <p:ext uri="{D42A27DB-BD31-4B8C-83A1-F6EECF244321}">
-                <p14:modId xmlns:p14="http://schemas.microsoft.com/office/powerpoint/2010/main" val="1867854459"/>
+                <p14:modId xmlns:p14="http://schemas.microsoft.com/office/powerpoint/2010/main" val="263563617"/>
               </p:ext>
             </p:extLst>
           </p:nvPr>
         </p:nvGraphicFramePr>
         <p:xfrm>
           <a:off x="838200" y="1825625"/>
-          <a:ext cx="10515600" cy="3479800"/>
+          <a:ext cx="10515600" cy="3754120"/>
         </p:xfrm>
         <a:graphic>
           <a:graphicData uri="http://schemas.openxmlformats.org/drawingml/2006/table">
@@ -4180,15 +5091,7 @@
                       <a:pPr rtl="1"/>
                       <a:r>
                         <a:rPr lang="en-US" dirty="0"/>
-                        <a:t>Add up-down movement. Improve </a:t>
-                      </a:r>
-                      <a:r>
-                        <a:rPr lang="en-US" dirty="0" err="1"/>
-                        <a:t>Bresenham</a:t>
-                      </a:r>
-                      <a:r>
-                        <a:rPr lang="en-US" dirty="0"/>
-                        <a:t> algorithm. </a:t>
+                        <a:t>Add up-down movement. Improve Bresenham algorithm. </a:t>
                       </a:r>
                       <a:endParaRPr lang="he-IL" dirty="0"/>
                     </a:p>
@@ -4255,7 +5158,7 @@
                       <a:pPr rtl="1"/>
                       <a:r>
                         <a:rPr lang="en-US" dirty="0"/>
-                        <a:t>Add colors + stroke features.</a:t>
+                        <a:t>Add colors + cleaning movements algorithm.</a:t>
                       </a:r>
                       <a:endParaRPr lang="he-IL" dirty="0"/>
                     </a:p>
@@ -4318,7 +5221,7 @@
                       <a:pPr rtl="1"/>
                       <a:r>
                         <a:rPr lang="en-US" dirty="0"/>
-                        <a:t>Add user authentication</a:t>
+                        <a:t>More feedback from robot to user (possible further features).</a:t>
                       </a:r>
                       <a:endParaRPr lang="he-IL" dirty="0"/>
                     </a:p>
